--- a/ppt 16-9/0733.我灵渴慕你.pptx
+++ b/ppt 16-9/0733.我灵渴慕你.pptx
@@ -129,7 +129,7 @@
           <p:cNvPr id="2" name="标题 1">
             <a:extLst>
               <a:ext uri="{FF2B5EF4-FFF2-40B4-BE49-F238E27FC236}">
-                <a16:creationId xmlns:a16="http://schemas.microsoft.com/office/drawing/2014/main" id="{A3471CA0-2C86-824B-9BEB-971E7B20557A}"/>
+                <a16:creationId xmlns:a16="http://schemas.microsoft.com/office/drawing/2014/main" id="{0A4A8B13-81AB-F065-4BC9-BA6584EBDCCC}"/>
               </a:ext>
             </a:extLst>
           </p:cNvPr>
@@ -166,7 +166,7 @@
           <p:cNvPr id="3" name="副标题 2">
             <a:extLst>
               <a:ext uri="{FF2B5EF4-FFF2-40B4-BE49-F238E27FC236}">
-                <a16:creationId xmlns:a16="http://schemas.microsoft.com/office/drawing/2014/main" id="{0418002A-D6AD-CFC3-5CB2-ADBDB6A829DF}"/>
+                <a16:creationId xmlns:a16="http://schemas.microsoft.com/office/drawing/2014/main" id="{1453896A-2A33-0702-8591-D7033CE54C64}"/>
               </a:ext>
             </a:extLst>
           </p:cNvPr>
@@ -236,7 +236,7 @@
           <p:cNvPr id="4" name="日期占位符 3">
             <a:extLst>
               <a:ext uri="{FF2B5EF4-FFF2-40B4-BE49-F238E27FC236}">
-                <a16:creationId xmlns:a16="http://schemas.microsoft.com/office/drawing/2014/main" id="{ED718C03-6419-82E1-3A36-44B745243256}"/>
+                <a16:creationId xmlns:a16="http://schemas.microsoft.com/office/drawing/2014/main" id="{4D8D67CF-DAE2-9519-E52F-E6C5E8CBFD16}"/>
               </a:ext>
             </a:extLst>
           </p:cNvPr>
@@ -252,7 +252,7 @@
           <a:bodyPr/>
           <a:lstStyle/>
           <a:p>
-            <a:fld id="{BE149E60-5DBC-490D-946E-B7969FFF08C8}" type="datetimeFigureOut">
+            <a:fld id="{D29F8F4D-82B1-49BC-8812-29E858D70BD1}" type="datetimeFigureOut">
               <a:rPr lang="zh-CN" altLang="en-US" smtClean="0"/>
               <a:t>2024/3/10</a:t>
             </a:fld>
@@ -265,7 +265,7 @@
           <p:cNvPr id="5" name="页脚占位符 4">
             <a:extLst>
               <a:ext uri="{FF2B5EF4-FFF2-40B4-BE49-F238E27FC236}">
-                <a16:creationId xmlns:a16="http://schemas.microsoft.com/office/drawing/2014/main" id="{06CFBB5C-EE0C-93B2-DFB0-0D1CCC089DB9}"/>
+                <a16:creationId xmlns:a16="http://schemas.microsoft.com/office/drawing/2014/main" id="{ADD08C51-1A2F-B740-2130-F898C10B99A6}"/>
               </a:ext>
             </a:extLst>
           </p:cNvPr>
@@ -290,7 +290,7 @@
           <p:cNvPr id="6" name="灯片编号占位符 5">
             <a:extLst>
               <a:ext uri="{FF2B5EF4-FFF2-40B4-BE49-F238E27FC236}">
-                <a16:creationId xmlns:a16="http://schemas.microsoft.com/office/drawing/2014/main" id="{0CA3BD55-1B94-0927-C2EC-962163E1D366}"/>
+                <a16:creationId xmlns:a16="http://schemas.microsoft.com/office/drawing/2014/main" id="{A2A98D02-C28E-4485-3404-221F44206B69}"/>
               </a:ext>
             </a:extLst>
           </p:cNvPr>
@@ -306,7 +306,7 @@
           <a:bodyPr/>
           <a:lstStyle/>
           <a:p>
-            <a:fld id="{EC48F675-7FD5-480F-A604-47DBDBF00721}" type="slidenum">
+            <a:fld id="{B6748556-4C44-41B8-A1B9-0A46DDA447C0}" type="slidenum">
               <a:rPr lang="zh-CN" altLang="en-US" smtClean="0"/>
               <a:t>‹#›</a:t>
             </a:fld>
@@ -317,7 +317,7 @@
     </p:spTree>
     <p:extLst>
       <p:ext uri="{BB962C8B-B14F-4D97-AF65-F5344CB8AC3E}">
-        <p14:creationId xmlns:p14="http://schemas.microsoft.com/office/powerpoint/2010/main" val="4133705576"/>
+        <p14:creationId xmlns:p14="http://schemas.microsoft.com/office/powerpoint/2010/main" val="2625650061"/>
       </p:ext>
     </p:extLst>
   </p:cSld>
@@ -349,7 +349,7 @@
           <p:cNvPr id="2" name="标题 1">
             <a:extLst>
               <a:ext uri="{FF2B5EF4-FFF2-40B4-BE49-F238E27FC236}">
-                <a16:creationId xmlns:a16="http://schemas.microsoft.com/office/drawing/2014/main" id="{5E2B9D98-03FF-46D3-A6FD-0F9081487CA5}"/>
+                <a16:creationId xmlns:a16="http://schemas.microsoft.com/office/drawing/2014/main" id="{A3CA1609-8DDC-29CF-2B60-012F93AAF078}"/>
               </a:ext>
             </a:extLst>
           </p:cNvPr>
@@ -377,7 +377,7 @@
           <p:cNvPr id="3" name="竖排文字占位符 2">
             <a:extLst>
               <a:ext uri="{FF2B5EF4-FFF2-40B4-BE49-F238E27FC236}">
-                <a16:creationId xmlns:a16="http://schemas.microsoft.com/office/drawing/2014/main" id="{9E62DF3B-2B37-5765-1A4D-D84CD78CA8BA}"/>
+                <a16:creationId xmlns:a16="http://schemas.microsoft.com/office/drawing/2014/main" id="{79C61D1E-B5A3-1B89-4895-19D8B15499DB}"/>
               </a:ext>
             </a:extLst>
           </p:cNvPr>
@@ -434,7 +434,7 @@
           <p:cNvPr id="4" name="日期占位符 3">
             <a:extLst>
               <a:ext uri="{FF2B5EF4-FFF2-40B4-BE49-F238E27FC236}">
-                <a16:creationId xmlns:a16="http://schemas.microsoft.com/office/drawing/2014/main" id="{B5260A33-338B-4EB6-6CE8-F321023AACA9}"/>
+                <a16:creationId xmlns:a16="http://schemas.microsoft.com/office/drawing/2014/main" id="{7965A94E-AFF3-A0C2-9466-F56BDD93FDA3}"/>
               </a:ext>
             </a:extLst>
           </p:cNvPr>
@@ -450,7 +450,7 @@
           <a:bodyPr/>
           <a:lstStyle/>
           <a:p>
-            <a:fld id="{BE149E60-5DBC-490D-946E-B7969FFF08C8}" type="datetimeFigureOut">
+            <a:fld id="{D29F8F4D-82B1-49BC-8812-29E858D70BD1}" type="datetimeFigureOut">
               <a:rPr lang="zh-CN" altLang="en-US" smtClean="0"/>
               <a:t>2024/3/10</a:t>
             </a:fld>
@@ -463,7 +463,7 @@
           <p:cNvPr id="5" name="页脚占位符 4">
             <a:extLst>
               <a:ext uri="{FF2B5EF4-FFF2-40B4-BE49-F238E27FC236}">
-                <a16:creationId xmlns:a16="http://schemas.microsoft.com/office/drawing/2014/main" id="{EB744B37-05E6-D5D7-0726-4A0A98C91C6E}"/>
+                <a16:creationId xmlns:a16="http://schemas.microsoft.com/office/drawing/2014/main" id="{8F229837-6EC6-9ADE-E1C1-69C7D517C840}"/>
               </a:ext>
             </a:extLst>
           </p:cNvPr>
@@ -488,7 +488,7 @@
           <p:cNvPr id="6" name="灯片编号占位符 5">
             <a:extLst>
               <a:ext uri="{FF2B5EF4-FFF2-40B4-BE49-F238E27FC236}">
-                <a16:creationId xmlns:a16="http://schemas.microsoft.com/office/drawing/2014/main" id="{72805C76-EB44-05F7-8B4D-62F8972B3A8A}"/>
+                <a16:creationId xmlns:a16="http://schemas.microsoft.com/office/drawing/2014/main" id="{2B8EBBC2-B34A-4386-35CF-6495CFBD45E9}"/>
               </a:ext>
             </a:extLst>
           </p:cNvPr>
@@ -504,7 +504,7 @@
           <a:bodyPr/>
           <a:lstStyle/>
           <a:p>
-            <a:fld id="{EC48F675-7FD5-480F-A604-47DBDBF00721}" type="slidenum">
+            <a:fld id="{B6748556-4C44-41B8-A1B9-0A46DDA447C0}" type="slidenum">
               <a:rPr lang="zh-CN" altLang="en-US" smtClean="0"/>
               <a:t>‹#›</a:t>
             </a:fld>
@@ -515,7 +515,7 @@
     </p:spTree>
     <p:extLst>
       <p:ext uri="{BB962C8B-B14F-4D97-AF65-F5344CB8AC3E}">
-        <p14:creationId xmlns:p14="http://schemas.microsoft.com/office/powerpoint/2010/main" val="1799025483"/>
+        <p14:creationId xmlns:p14="http://schemas.microsoft.com/office/powerpoint/2010/main" val="150567204"/>
       </p:ext>
     </p:extLst>
   </p:cSld>
@@ -547,7 +547,7 @@
           <p:cNvPr id="2" name="竖排标题 1">
             <a:extLst>
               <a:ext uri="{FF2B5EF4-FFF2-40B4-BE49-F238E27FC236}">
-                <a16:creationId xmlns:a16="http://schemas.microsoft.com/office/drawing/2014/main" id="{FFE6A1D5-33F3-9A00-EA16-F156510C92CD}"/>
+                <a16:creationId xmlns:a16="http://schemas.microsoft.com/office/drawing/2014/main" id="{39C8CFFC-05B9-3719-23B2-09A438B61593}"/>
               </a:ext>
             </a:extLst>
           </p:cNvPr>
@@ -580,7 +580,7 @@
           <p:cNvPr id="3" name="竖排文字占位符 2">
             <a:extLst>
               <a:ext uri="{FF2B5EF4-FFF2-40B4-BE49-F238E27FC236}">
-                <a16:creationId xmlns:a16="http://schemas.microsoft.com/office/drawing/2014/main" id="{566350CF-524F-D901-DB1D-1247BEBEF6C4}"/>
+                <a16:creationId xmlns:a16="http://schemas.microsoft.com/office/drawing/2014/main" id="{F45A9B99-F55E-FBA9-7731-B011DE357A50}"/>
               </a:ext>
             </a:extLst>
           </p:cNvPr>
@@ -642,7 +642,7 @@
           <p:cNvPr id="4" name="日期占位符 3">
             <a:extLst>
               <a:ext uri="{FF2B5EF4-FFF2-40B4-BE49-F238E27FC236}">
-                <a16:creationId xmlns:a16="http://schemas.microsoft.com/office/drawing/2014/main" id="{E3AD8002-BF07-47A6-2F5B-6124F2F273F1}"/>
+                <a16:creationId xmlns:a16="http://schemas.microsoft.com/office/drawing/2014/main" id="{10916BE4-3C90-E6FF-F703-46854EB94CE5}"/>
               </a:ext>
             </a:extLst>
           </p:cNvPr>
@@ -658,7 +658,7 @@
           <a:bodyPr/>
           <a:lstStyle/>
           <a:p>
-            <a:fld id="{BE149E60-5DBC-490D-946E-B7969FFF08C8}" type="datetimeFigureOut">
+            <a:fld id="{D29F8F4D-82B1-49BC-8812-29E858D70BD1}" type="datetimeFigureOut">
               <a:rPr lang="zh-CN" altLang="en-US" smtClean="0"/>
               <a:t>2024/3/10</a:t>
             </a:fld>
@@ -671,7 +671,7 @@
           <p:cNvPr id="5" name="页脚占位符 4">
             <a:extLst>
               <a:ext uri="{FF2B5EF4-FFF2-40B4-BE49-F238E27FC236}">
-                <a16:creationId xmlns:a16="http://schemas.microsoft.com/office/drawing/2014/main" id="{97BA3CBB-4123-857E-784E-51797774968C}"/>
+                <a16:creationId xmlns:a16="http://schemas.microsoft.com/office/drawing/2014/main" id="{DD9510EC-2E1E-2438-4232-4DBCE72E4A5B}"/>
               </a:ext>
             </a:extLst>
           </p:cNvPr>
@@ -696,7 +696,7 @@
           <p:cNvPr id="6" name="灯片编号占位符 5">
             <a:extLst>
               <a:ext uri="{FF2B5EF4-FFF2-40B4-BE49-F238E27FC236}">
-                <a16:creationId xmlns:a16="http://schemas.microsoft.com/office/drawing/2014/main" id="{57992DE0-01F0-5E77-147F-718095964072}"/>
+                <a16:creationId xmlns:a16="http://schemas.microsoft.com/office/drawing/2014/main" id="{DBFFD3DC-11BE-BE33-3DFD-5C237C1EE886}"/>
               </a:ext>
             </a:extLst>
           </p:cNvPr>
@@ -712,7 +712,7 @@
           <a:bodyPr/>
           <a:lstStyle/>
           <a:p>
-            <a:fld id="{EC48F675-7FD5-480F-A604-47DBDBF00721}" type="slidenum">
+            <a:fld id="{B6748556-4C44-41B8-A1B9-0A46DDA447C0}" type="slidenum">
               <a:rPr lang="zh-CN" altLang="en-US" smtClean="0"/>
               <a:t>‹#›</a:t>
             </a:fld>
@@ -723,7 +723,7 @@
     </p:spTree>
     <p:extLst>
       <p:ext uri="{BB962C8B-B14F-4D97-AF65-F5344CB8AC3E}">
-        <p14:creationId xmlns:p14="http://schemas.microsoft.com/office/powerpoint/2010/main" val="3491254232"/>
+        <p14:creationId xmlns:p14="http://schemas.microsoft.com/office/powerpoint/2010/main" val="440506018"/>
       </p:ext>
     </p:extLst>
   </p:cSld>
@@ -755,7 +755,7 @@
           <p:cNvPr id="2" name="标题 1">
             <a:extLst>
               <a:ext uri="{FF2B5EF4-FFF2-40B4-BE49-F238E27FC236}">
-                <a16:creationId xmlns:a16="http://schemas.microsoft.com/office/drawing/2014/main" id="{75520516-DC76-AFC3-3A33-F4FF907BBC72}"/>
+                <a16:creationId xmlns:a16="http://schemas.microsoft.com/office/drawing/2014/main" id="{5975E219-909F-74E5-159F-6091555DC551}"/>
               </a:ext>
             </a:extLst>
           </p:cNvPr>
@@ -783,7 +783,7 @@
           <p:cNvPr id="3" name="内容占位符 2">
             <a:extLst>
               <a:ext uri="{FF2B5EF4-FFF2-40B4-BE49-F238E27FC236}">
-                <a16:creationId xmlns:a16="http://schemas.microsoft.com/office/drawing/2014/main" id="{D6B5C51C-60B1-430D-1C75-30D7E4FDBEDC}"/>
+                <a16:creationId xmlns:a16="http://schemas.microsoft.com/office/drawing/2014/main" id="{F4193F4B-AD67-D7C1-51D6-F975B912A9DE}"/>
               </a:ext>
             </a:extLst>
           </p:cNvPr>
@@ -840,7 +840,7 @@
           <p:cNvPr id="4" name="日期占位符 3">
             <a:extLst>
               <a:ext uri="{FF2B5EF4-FFF2-40B4-BE49-F238E27FC236}">
-                <a16:creationId xmlns:a16="http://schemas.microsoft.com/office/drawing/2014/main" id="{19D2C37A-DC4F-A793-B2A9-D73B6456C3CC}"/>
+                <a16:creationId xmlns:a16="http://schemas.microsoft.com/office/drawing/2014/main" id="{830C1583-3260-BF94-E521-0017F6C640E7}"/>
               </a:ext>
             </a:extLst>
           </p:cNvPr>
@@ -856,7 +856,7 @@
           <a:bodyPr/>
           <a:lstStyle/>
           <a:p>
-            <a:fld id="{BE149E60-5DBC-490D-946E-B7969FFF08C8}" type="datetimeFigureOut">
+            <a:fld id="{D29F8F4D-82B1-49BC-8812-29E858D70BD1}" type="datetimeFigureOut">
               <a:rPr lang="zh-CN" altLang="en-US" smtClean="0"/>
               <a:t>2024/3/10</a:t>
             </a:fld>
@@ -869,7 +869,7 @@
           <p:cNvPr id="5" name="页脚占位符 4">
             <a:extLst>
               <a:ext uri="{FF2B5EF4-FFF2-40B4-BE49-F238E27FC236}">
-                <a16:creationId xmlns:a16="http://schemas.microsoft.com/office/drawing/2014/main" id="{80F77442-C53E-566C-E691-54EFC8206AC3}"/>
+                <a16:creationId xmlns:a16="http://schemas.microsoft.com/office/drawing/2014/main" id="{CCB48470-348C-3BE5-C370-6DCB4929CCCA}"/>
               </a:ext>
             </a:extLst>
           </p:cNvPr>
@@ -894,7 +894,7 @@
           <p:cNvPr id="6" name="灯片编号占位符 5">
             <a:extLst>
               <a:ext uri="{FF2B5EF4-FFF2-40B4-BE49-F238E27FC236}">
-                <a16:creationId xmlns:a16="http://schemas.microsoft.com/office/drawing/2014/main" id="{905F796D-4BC6-2589-BB0C-B247604143CE}"/>
+                <a16:creationId xmlns:a16="http://schemas.microsoft.com/office/drawing/2014/main" id="{C31E31B3-7E4F-6FB7-A62B-F136637967FC}"/>
               </a:ext>
             </a:extLst>
           </p:cNvPr>
@@ -910,7 +910,7 @@
           <a:bodyPr/>
           <a:lstStyle/>
           <a:p>
-            <a:fld id="{EC48F675-7FD5-480F-A604-47DBDBF00721}" type="slidenum">
+            <a:fld id="{B6748556-4C44-41B8-A1B9-0A46DDA447C0}" type="slidenum">
               <a:rPr lang="zh-CN" altLang="en-US" smtClean="0"/>
               <a:t>‹#›</a:t>
             </a:fld>
@@ -921,7 +921,7 @@
     </p:spTree>
     <p:extLst>
       <p:ext uri="{BB962C8B-B14F-4D97-AF65-F5344CB8AC3E}">
-        <p14:creationId xmlns:p14="http://schemas.microsoft.com/office/powerpoint/2010/main" val="3441779257"/>
+        <p14:creationId xmlns:p14="http://schemas.microsoft.com/office/powerpoint/2010/main" val="487847631"/>
       </p:ext>
     </p:extLst>
   </p:cSld>
@@ -953,7 +953,7 @@
           <p:cNvPr id="2" name="标题 1">
             <a:extLst>
               <a:ext uri="{FF2B5EF4-FFF2-40B4-BE49-F238E27FC236}">
-                <a16:creationId xmlns:a16="http://schemas.microsoft.com/office/drawing/2014/main" id="{BCDD15F8-EEFB-7677-E7BD-C46CD351A11A}"/>
+                <a16:creationId xmlns:a16="http://schemas.microsoft.com/office/drawing/2014/main" id="{8A73D04B-66A7-0762-7DC4-451E8874D617}"/>
               </a:ext>
             </a:extLst>
           </p:cNvPr>
@@ -990,7 +990,7 @@
           <p:cNvPr id="3" name="文本占位符 2">
             <a:extLst>
               <a:ext uri="{FF2B5EF4-FFF2-40B4-BE49-F238E27FC236}">
-                <a16:creationId xmlns:a16="http://schemas.microsoft.com/office/drawing/2014/main" id="{96B3FB4E-6BD8-C4F8-3901-752B08449B75}"/>
+                <a16:creationId xmlns:a16="http://schemas.microsoft.com/office/drawing/2014/main" id="{1BE55A7D-06AD-103B-AB20-B2A6F31445C0}"/>
               </a:ext>
             </a:extLst>
           </p:cNvPr>
@@ -1115,7 +1115,7 @@
           <p:cNvPr id="4" name="日期占位符 3">
             <a:extLst>
               <a:ext uri="{FF2B5EF4-FFF2-40B4-BE49-F238E27FC236}">
-                <a16:creationId xmlns:a16="http://schemas.microsoft.com/office/drawing/2014/main" id="{5ED4C031-3B03-3063-9191-A8BE73E58812}"/>
+                <a16:creationId xmlns:a16="http://schemas.microsoft.com/office/drawing/2014/main" id="{32F4EEC1-87CB-7AD8-F0C9-77AC4FD2558A}"/>
               </a:ext>
             </a:extLst>
           </p:cNvPr>
@@ -1131,7 +1131,7 @@
           <a:bodyPr/>
           <a:lstStyle/>
           <a:p>
-            <a:fld id="{BE149E60-5DBC-490D-946E-B7969FFF08C8}" type="datetimeFigureOut">
+            <a:fld id="{D29F8F4D-82B1-49BC-8812-29E858D70BD1}" type="datetimeFigureOut">
               <a:rPr lang="zh-CN" altLang="en-US" smtClean="0"/>
               <a:t>2024/3/10</a:t>
             </a:fld>
@@ -1144,7 +1144,7 @@
           <p:cNvPr id="5" name="页脚占位符 4">
             <a:extLst>
               <a:ext uri="{FF2B5EF4-FFF2-40B4-BE49-F238E27FC236}">
-                <a16:creationId xmlns:a16="http://schemas.microsoft.com/office/drawing/2014/main" id="{FED92834-DF61-999E-3221-3B2A933763A0}"/>
+                <a16:creationId xmlns:a16="http://schemas.microsoft.com/office/drawing/2014/main" id="{00F9B776-52D9-CB89-0C4A-E8E8FCC47031}"/>
               </a:ext>
             </a:extLst>
           </p:cNvPr>
@@ -1169,7 +1169,7 @@
           <p:cNvPr id="6" name="灯片编号占位符 5">
             <a:extLst>
               <a:ext uri="{FF2B5EF4-FFF2-40B4-BE49-F238E27FC236}">
-                <a16:creationId xmlns:a16="http://schemas.microsoft.com/office/drawing/2014/main" id="{2E248FF0-01B6-C5F7-AE64-E5D449132FC0}"/>
+                <a16:creationId xmlns:a16="http://schemas.microsoft.com/office/drawing/2014/main" id="{56D791F6-C837-FD14-4851-10E12575C17D}"/>
               </a:ext>
             </a:extLst>
           </p:cNvPr>
@@ -1185,7 +1185,7 @@
           <a:bodyPr/>
           <a:lstStyle/>
           <a:p>
-            <a:fld id="{EC48F675-7FD5-480F-A604-47DBDBF00721}" type="slidenum">
+            <a:fld id="{B6748556-4C44-41B8-A1B9-0A46DDA447C0}" type="slidenum">
               <a:rPr lang="zh-CN" altLang="en-US" smtClean="0"/>
               <a:t>‹#›</a:t>
             </a:fld>
@@ -1196,7 +1196,7 @@
     </p:spTree>
     <p:extLst>
       <p:ext uri="{BB962C8B-B14F-4D97-AF65-F5344CB8AC3E}">
-        <p14:creationId xmlns:p14="http://schemas.microsoft.com/office/powerpoint/2010/main" val="2233399580"/>
+        <p14:creationId xmlns:p14="http://schemas.microsoft.com/office/powerpoint/2010/main" val="2112204318"/>
       </p:ext>
     </p:extLst>
   </p:cSld>
@@ -1228,7 +1228,7 @@
           <p:cNvPr id="2" name="标题 1">
             <a:extLst>
               <a:ext uri="{FF2B5EF4-FFF2-40B4-BE49-F238E27FC236}">
-                <a16:creationId xmlns:a16="http://schemas.microsoft.com/office/drawing/2014/main" id="{5AA39778-EABB-0FA8-9FE9-50767275C3DB}"/>
+                <a16:creationId xmlns:a16="http://schemas.microsoft.com/office/drawing/2014/main" id="{ABEA4936-3C92-3B86-C3CA-A2AEAE32A654}"/>
               </a:ext>
             </a:extLst>
           </p:cNvPr>
@@ -1256,7 +1256,7 @@
           <p:cNvPr id="3" name="内容占位符 2">
             <a:extLst>
               <a:ext uri="{FF2B5EF4-FFF2-40B4-BE49-F238E27FC236}">
-                <a16:creationId xmlns:a16="http://schemas.microsoft.com/office/drawing/2014/main" id="{836F2DA5-2D23-6613-7C12-8799CF1F4C23}"/>
+                <a16:creationId xmlns:a16="http://schemas.microsoft.com/office/drawing/2014/main" id="{065624D3-C545-FF94-7149-342729C4E515}"/>
               </a:ext>
             </a:extLst>
           </p:cNvPr>
@@ -1318,7 +1318,7 @@
           <p:cNvPr id="4" name="内容占位符 3">
             <a:extLst>
               <a:ext uri="{FF2B5EF4-FFF2-40B4-BE49-F238E27FC236}">
-                <a16:creationId xmlns:a16="http://schemas.microsoft.com/office/drawing/2014/main" id="{AC9E8424-75A2-78DF-0607-330780288735}"/>
+                <a16:creationId xmlns:a16="http://schemas.microsoft.com/office/drawing/2014/main" id="{27AD76B3-F3B9-F159-C2A9-2008205D650D}"/>
               </a:ext>
             </a:extLst>
           </p:cNvPr>
@@ -1380,7 +1380,7 @@
           <p:cNvPr id="5" name="日期占位符 4">
             <a:extLst>
               <a:ext uri="{FF2B5EF4-FFF2-40B4-BE49-F238E27FC236}">
-                <a16:creationId xmlns:a16="http://schemas.microsoft.com/office/drawing/2014/main" id="{1035AC3B-D912-D12F-433F-961CD15BD869}"/>
+                <a16:creationId xmlns:a16="http://schemas.microsoft.com/office/drawing/2014/main" id="{84432B72-49BA-E6FA-B7C7-070AADB750B9}"/>
               </a:ext>
             </a:extLst>
           </p:cNvPr>
@@ -1396,7 +1396,7 @@
           <a:bodyPr/>
           <a:lstStyle/>
           <a:p>
-            <a:fld id="{BE149E60-5DBC-490D-946E-B7969FFF08C8}" type="datetimeFigureOut">
+            <a:fld id="{D29F8F4D-82B1-49BC-8812-29E858D70BD1}" type="datetimeFigureOut">
               <a:rPr lang="zh-CN" altLang="en-US" smtClean="0"/>
               <a:t>2024/3/10</a:t>
             </a:fld>
@@ -1409,7 +1409,7 @@
           <p:cNvPr id="6" name="页脚占位符 5">
             <a:extLst>
               <a:ext uri="{FF2B5EF4-FFF2-40B4-BE49-F238E27FC236}">
-                <a16:creationId xmlns:a16="http://schemas.microsoft.com/office/drawing/2014/main" id="{845014E0-5EEF-073B-B3C6-F16D430A1B61}"/>
+                <a16:creationId xmlns:a16="http://schemas.microsoft.com/office/drawing/2014/main" id="{2D42FB72-D349-2353-4045-F74D24256604}"/>
               </a:ext>
             </a:extLst>
           </p:cNvPr>
@@ -1434,7 +1434,7 @@
           <p:cNvPr id="7" name="灯片编号占位符 6">
             <a:extLst>
               <a:ext uri="{FF2B5EF4-FFF2-40B4-BE49-F238E27FC236}">
-                <a16:creationId xmlns:a16="http://schemas.microsoft.com/office/drawing/2014/main" id="{E341A3DC-D353-3672-3CAD-1C2185064A7D}"/>
+                <a16:creationId xmlns:a16="http://schemas.microsoft.com/office/drawing/2014/main" id="{D6BE0DB2-ED8F-D20F-A5F6-F33DF8553236}"/>
               </a:ext>
             </a:extLst>
           </p:cNvPr>
@@ -1450,7 +1450,7 @@
           <a:bodyPr/>
           <a:lstStyle/>
           <a:p>
-            <a:fld id="{EC48F675-7FD5-480F-A604-47DBDBF00721}" type="slidenum">
+            <a:fld id="{B6748556-4C44-41B8-A1B9-0A46DDA447C0}" type="slidenum">
               <a:rPr lang="zh-CN" altLang="en-US" smtClean="0"/>
               <a:t>‹#›</a:t>
             </a:fld>
@@ -1461,7 +1461,7 @@
     </p:spTree>
     <p:extLst>
       <p:ext uri="{BB962C8B-B14F-4D97-AF65-F5344CB8AC3E}">
-        <p14:creationId xmlns:p14="http://schemas.microsoft.com/office/powerpoint/2010/main" val="829452200"/>
+        <p14:creationId xmlns:p14="http://schemas.microsoft.com/office/powerpoint/2010/main" val="4100855424"/>
       </p:ext>
     </p:extLst>
   </p:cSld>
@@ -1493,7 +1493,7 @@
           <p:cNvPr id="2" name="标题 1">
             <a:extLst>
               <a:ext uri="{FF2B5EF4-FFF2-40B4-BE49-F238E27FC236}">
-                <a16:creationId xmlns:a16="http://schemas.microsoft.com/office/drawing/2014/main" id="{D2C0F2AC-4272-3277-BE51-B3D1C0F42A68}"/>
+                <a16:creationId xmlns:a16="http://schemas.microsoft.com/office/drawing/2014/main" id="{EA146709-7651-8789-9F7A-0F8C4520BFDB}"/>
               </a:ext>
             </a:extLst>
           </p:cNvPr>
@@ -1526,7 +1526,7 @@
           <p:cNvPr id="3" name="文本占位符 2">
             <a:extLst>
               <a:ext uri="{FF2B5EF4-FFF2-40B4-BE49-F238E27FC236}">
-                <a16:creationId xmlns:a16="http://schemas.microsoft.com/office/drawing/2014/main" id="{DC859FB7-0D21-FC24-9D75-97EAC8CD7DAA}"/>
+                <a16:creationId xmlns:a16="http://schemas.microsoft.com/office/drawing/2014/main" id="{E39E898F-BB45-42B3-BAA7-8840EDE62835}"/>
               </a:ext>
             </a:extLst>
           </p:cNvPr>
@@ -1597,7 +1597,7 @@
           <p:cNvPr id="4" name="内容占位符 3">
             <a:extLst>
               <a:ext uri="{FF2B5EF4-FFF2-40B4-BE49-F238E27FC236}">
-                <a16:creationId xmlns:a16="http://schemas.microsoft.com/office/drawing/2014/main" id="{F68837F2-0360-F155-5623-5218E5C9331B}"/>
+                <a16:creationId xmlns:a16="http://schemas.microsoft.com/office/drawing/2014/main" id="{6AAEEE7D-9239-73F2-5A03-C591285B7036}"/>
               </a:ext>
             </a:extLst>
           </p:cNvPr>
@@ -1659,7 +1659,7 @@
           <p:cNvPr id="5" name="文本占位符 4">
             <a:extLst>
               <a:ext uri="{FF2B5EF4-FFF2-40B4-BE49-F238E27FC236}">
-                <a16:creationId xmlns:a16="http://schemas.microsoft.com/office/drawing/2014/main" id="{D73307ED-C58D-BD66-4FCE-8C01D01ECE47}"/>
+                <a16:creationId xmlns:a16="http://schemas.microsoft.com/office/drawing/2014/main" id="{AB63B7C2-AC84-3984-3C47-B4B3AF65D32B}"/>
               </a:ext>
             </a:extLst>
           </p:cNvPr>
@@ -1730,7 +1730,7 @@
           <p:cNvPr id="6" name="内容占位符 5">
             <a:extLst>
               <a:ext uri="{FF2B5EF4-FFF2-40B4-BE49-F238E27FC236}">
-                <a16:creationId xmlns:a16="http://schemas.microsoft.com/office/drawing/2014/main" id="{FB91CD1A-EC30-2AF0-B8CC-A4BD296AF3D0}"/>
+                <a16:creationId xmlns:a16="http://schemas.microsoft.com/office/drawing/2014/main" id="{A88925F1-8650-5C04-4466-D4BFF338B995}"/>
               </a:ext>
             </a:extLst>
           </p:cNvPr>
@@ -1792,7 +1792,7 @@
           <p:cNvPr id="7" name="日期占位符 6">
             <a:extLst>
               <a:ext uri="{FF2B5EF4-FFF2-40B4-BE49-F238E27FC236}">
-                <a16:creationId xmlns:a16="http://schemas.microsoft.com/office/drawing/2014/main" id="{E6737319-0B86-9495-175F-38E407DF833F}"/>
+                <a16:creationId xmlns:a16="http://schemas.microsoft.com/office/drawing/2014/main" id="{4C15A361-751A-2F7D-6FF0-3C7047B12193}"/>
               </a:ext>
             </a:extLst>
           </p:cNvPr>
@@ -1808,7 +1808,7 @@
           <a:bodyPr/>
           <a:lstStyle/>
           <a:p>
-            <a:fld id="{BE149E60-5DBC-490D-946E-B7969FFF08C8}" type="datetimeFigureOut">
+            <a:fld id="{D29F8F4D-82B1-49BC-8812-29E858D70BD1}" type="datetimeFigureOut">
               <a:rPr lang="zh-CN" altLang="en-US" smtClean="0"/>
               <a:t>2024/3/10</a:t>
             </a:fld>
@@ -1821,7 +1821,7 @@
           <p:cNvPr id="8" name="页脚占位符 7">
             <a:extLst>
               <a:ext uri="{FF2B5EF4-FFF2-40B4-BE49-F238E27FC236}">
-                <a16:creationId xmlns:a16="http://schemas.microsoft.com/office/drawing/2014/main" id="{34D818DD-E307-48DE-F209-18DE7ACCD123}"/>
+                <a16:creationId xmlns:a16="http://schemas.microsoft.com/office/drawing/2014/main" id="{C413634F-6DED-CB67-2947-442ED54815DE}"/>
               </a:ext>
             </a:extLst>
           </p:cNvPr>
@@ -1846,7 +1846,7 @@
           <p:cNvPr id="9" name="灯片编号占位符 8">
             <a:extLst>
               <a:ext uri="{FF2B5EF4-FFF2-40B4-BE49-F238E27FC236}">
-                <a16:creationId xmlns:a16="http://schemas.microsoft.com/office/drawing/2014/main" id="{7172156A-733F-F17A-FBBE-9405D169E9DF}"/>
+                <a16:creationId xmlns:a16="http://schemas.microsoft.com/office/drawing/2014/main" id="{1C699BC7-64C0-8AED-3D89-EED52B30D037}"/>
               </a:ext>
             </a:extLst>
           </p:cNvPr>
@@ -1862,7 +1862,7 @@
           <a:bodyPr/>
           <a:lstStyle/>
           <a:p>
-            <a:fld id="{EC48F675-7FD5-480F-A604-47DBDBF00721}" type="slidenum">
+            <a:fld id="{B6748556-4C44-41B8-A1B9-0A46DDA447C0}" type="slidenum">
               <a:rPr lang="zh-CN" altLang="en-US" smtClean="0"/>
               <a:t>‹#›</a:t>
             </a:fld>
@@ -1873,7 +1873,7 @@
     </p:spTree>
     <p:extLst>
       <p:ext uri="{BB962C8B-B14F-4D97-AF65-F5344CB8AC3E}">
-        <p14:creationId xmlns:p14="http://schemas.microsoft.com/office/powerpoint/2010/main" val="3207105226"/>
+        <p14:creationId xmlns:p14="http://schemas.microsoft.com/office/powerpoint/2010/main" val="676659609"/>
       </p:ext>
     </p:extLst>
   </p:cSld>
@@ -1905,7 +1905,7 @@
           <p:cNvPr id="2" name="标题 1">
             <a:extLst>
               <a:ext uri="{FF2B5EF4-FFF2-40B4-BE49-F238E27FC236}">
-                <a16:creationId xmlns:a16="http://schemas.microsoft.com/office/drawing/2014/main" id="{472C5CC7-2373-1D79-C808-47C417594A5B}"/>
+                <a16:creationId xmlns:a16="http://schemas.microsoft.com/office/drawing/2014/main" id="{5C1A8C54-8D9A-5FC7-47FD-02AA395DC92F}"/>
               </a:ext>
             </a:extLst>
           </p:cNvPr>
@@ -1933,7 +1933,7 @@
           <p:cNvPr id="3" name="日期占位符 2">
             <a:extLst>
               <a:ext uri="{FF2B5EF4-FFF2-40B4-BE49-F238E27FC236}">
-                <a16:creationId xmlns:a16="http://schemas.microsoft.com/office/drawing/2014/main" id="{F6F56024-B41F-2B2D-C335-04F3AB696150}"/>
+                <a16:creationId xmlns:a16="http://schemas.microsoft.com/office/drawing/2014/main" id="{9E8F4339-FCB8-773F-EC19-992B3CD6806F}"/>
               </a:ext>
             </a:extLst>
           </p:cNvPr>
@@ -1949,7 +1949,7 @@
           <a:bodyPr/>
           <a:lstStyle/>
           <a:p>
-            <a:fld id="{BE149E60-5DBC-490D-946E-B7969FFF08C8}" type="datetimeFigureOut">
+            <a:fld id="{D29F8F4D-82B1-49BC-8812-29E858D70BD1}" type="datetimeFigureOut">
               <a:rPr lang="zh-CN" altLang="en-US" smtClean="0"/>
               <a:t>2024/3/10</a:t>
             </a:fld>
@@ -1962,7 +1962,7 @@
           <p:cNvPr id="4" name="页脚占位符 3">
             <a:extLst>
               <a:ext uri="{FF2B5EF4-FFF2-40B4-BE49-F238E27FC236}">
-                <a16:creationId xmlns:a16="http://schemas.microsoft.com/office/drawing/2014/main" id="{3CA7D28B-B391-D123-8B54-6AE1C60F0D53}"/>
+                <a16:creationId xmlns:a16="http://schemas.microsoft.com/office/drawing/2014/main" id="{49693CAB-71A0-5A50-A1C7-D8F2A2E716AB}"/>
               </a:ext>
             </a:extLst>
           </p:cNvPr>
@@ -1987,7 +1987,7 @@
           <p:cNvPr id="5" name="灯片编号占位符 4">
             <a:extLst>
               <a:ext uri="{FF2B5EF4-FFF2-40B4-BE49-F238E27FC236}">
-                <a16:creationId xmlns:a16="http://schemas.microsoft.com/office/drawing/2014/main" id="{66667D6C-8297-87C7-4280-0984711306D0}"/>
+                <a16:creationId xmlns:a16="http://schemas.microsoft.com/office/drawing/2014/main" id="{19E53EAA-BFE5-EBBD-C6A1-4333704D3205}"/>
               </a:ext>
             </a:extLst>
           </p:cNvPr>
@@ -2003,7 +2003,7 @@
           <a:bodyPr/>
           <a:lstStyle/>
           <a:p>
-            <a:fld id="{EC48F675-7FD5-480F-A604-47DBDBF00721}" type="slidenum">
+            <a:fld id="{B6748556-4C44-41B8-A1B9-0A46DDA447C0}" type="slidenum">
               <a:rPr lang="zh-CN" altLang="en-US" smtClean="0"/>
               <a:t>‹#›</a:t>
             </a:fld>
@@ -2014,7 +2014,7 @@
     </p:spTree>
     <p:extLst>
       <p:ext uri="{BB962C8B-B14F-4D97-AF65-F5344CB8AC3E}">
-        <p14:creationId xmlns:p14="http://schemas.microsoft.com/office/powerpoint/2010/main" val="3648426995"/>
+        <p14:creationId xmlns:p14="http://schemas.microsoft.com/office/powerpoint/2010/main" val="818946121"/>
       </p:ext>
     </p:extLst>
   </p:cSld>
@@ -2046,7 +2046,7 @@
           <p:cNvPr id="2" name="日期占位符 1">
             <a:extLst>
               <a:ext uri="{FF2B5EF4-FFF2-40B4-BE49-F238E27FC236}">
-                <a16:creationId xmlns:a16="http://schemas.microsoft.com/office/drawing/2014/main" id="{E448E8F7-D43D-780C-51F7-9FC070C9EBD3}"/>
+                <a16:creationId xmlns:a16="http://schemas.microsoft.com/office/drawing/2014/main" id="{105C6C5C-9E7C-196B-61B4-08E7262F34DC}"/>
               </a:ext>
             </a:extLst>
           </p:cNvPr>
@@ -2062,7 +2062,7 @@
           <a:bodyPr/>
           <a:lstStyle/>
           <a:p>
-            <a:fld id="{BE149E60-5DBC-490D-946E-B7969FFF08C8}" type="datetimeFigureOut">
+            <a:fld id="{D29F8F4D-82B1-49BC-8812-29E858D70BD1}" type="datetimeFigureOut">
               <a:rPr lang="zh-CN" altLang="en-US" smtClean="0"/>
               <a:t>2024/3/10</a:t>
             </a:fld>
@@ -2075,7 +2075,7 @@
           <p:cNvPr id="3" name="页脚占位符 2">
             <a:extLst>
               <a:ext uri="{FF2B5EF4-FFF2-40B4-BE49-F238E27FC236}">
-                <a16:creationId xmlns:a16="http://schemas.microsoft.com/office/drawing/2014/main" id="{45BFC63C-4BE4-F9C4-9943-866DC231A3B3}"/>
+                <a16:creationId xmlns:a16="http://schemas.microsoft.com/office/drawing/2014/main" id="{D0F60701-E141-036D-B09C-F7C0A98E668F}"/>
               </a:ext>
             </a:extLst>
           </p:cNvPr>
@@ -2100,7 +2100,7 @@
           <p:cNvPr id="4" name="灯片编号占位符 3">
             <a:extLst>
               <a:ext uri="{FF2B5EF4-FFF2-40B4-BE49-F238E27FC236}">
-                <a16:creationId xmlns:a16="http://schemas.microsoft.com/office/drawing/2014/main" id="{55BE1280-9418-FF12-9AC1-2F5E79CB03AE}"/>
+                <a16:creationId xmlns:a16="http://schemas.microsoft.com/office/drawing/2014/main" id="{E11BFCEE-9E2B-C9BB-E28A-3F95D4FAA2FA}"/>
               </a:ext>
             </a:extLst>
           </p:cNvPr>
@@ -2116,7 +2116,7 @@
           <a:bodyPr/>
           <a:lstStyle/>
           <a:p>
-            <a:fld id="{EC48F675-7FD5-480F-A604-47DBDBF00721}" type="slidenum">
+            <a:fld id="{B6748556-4C44-41B8-A1B9-0A46DDA447C0}" type="slidenum">
               <a:rPr lang="zh-CN" altLang="en-US" smtClean="0"/>
               <a:t>‹#›</a:t>
             </a:fld>
@@ -2127,7 +2127,7 @@
     </p:spTree>
     <p:extLst>
       <p:ext uri="{BB962C8B-B14F-4D97-AF65-F5344CB8AC3E}">
-        <p14:creationId xmlns:p14="http://schemas.microsoft.com/office/powerpoint/2010/main" val="1352135761"/>
+        <p14:creationId xmlns:p14="http://schemas.microsoft.com/office/powerpoint/2010/main" val="3375225074"/>
       </p:ext>
     </p:extLst>
   </p:cSld>
@@ -2159,7 +2159,7 @@
           <p:cNvPr id="2" name="标题 1">
             <a:extLst>
               <a:ext uri="{FF2B5EF4-FFF2-40B4-BE49-F238E27FC236}">
-                <a16:creationId xmlns:a16="http://schemas.microsoft.com/office/drawing/2014/main" id="{30124D19-BC03-FECB-3DF4-C9A6FCDD4C8D}"/>
+                <a16:creationId xmlns:a16="http://schemas.microsoft.com/office/drawing/2014/main" id="{6901D483-7A5E-FD6F-4601-030AC3400E00}"/>
               </a:ext>
             </a:extLst>
           </p:cNvPr>
@@ -2196,7 +2196,7 @@
           <p:cNvPr id="3" name="内容占位符 2">
             <a:extLst>
               <a:ext uri="{FF2B5EF4-FFF2-40B4-BE49-F238E27FC236}">
-                <a16:creationId xmlns:a16="http://schemas.microsoft.com/office/drawing/2014/main" id="{E8B941E0-3AE3-3555-0A0D-CC057FD17421}"/>
+                <a16:creationId xmlns:a16="http://schemas.microsoft.com/office/drawing/2014/main" id="{B64B2A41-6123-CE12-715B-363960FC33D6}"/>
               </a:ext>
             </a:extLst>
           </p:cNvPr>
@@ -2286,7 +2286,7 @@
           <p:cNvPr id="4" name="文本占位符 3">
             <a:extLst>
               <a:ext uri="{FF2B5EF4-FFF2-40B4-BE49-F238E27FC236}">
-                <a16:creationId xmlns:a16="http://schemas.microsoft.com/office/drawing/2014/main" id="{2AA12919-A264-0093-4F77-C800544C493B}"/>
+                <a16:creationId xmlns:a16="http://schemas.microsoft.com/office/drawing/2014/main" id="{5A036783-D0BC-9B05-6DD3-B734CB2F8FD2}"/>
               </a:ext>
             </a:extLst>
           </p:cNvPr>
@@ -2357,7 +2357,7 @@
           <p:cNvPr id="5" name="日期占位符 4">
             <a:extLst>
               <a:ext uri="{FF2B5EF4-FFF2-40B4-BE49-F238E27FC236}">
-                <a16:creationId xmlns:a16="http://schemas.microsoft.com/office/drawing/2014/main" id="{7A1B8384-30A3-BE7E-8944-6A8024D023EC}"/>
+                <a16:creationId xmlns:a16="http://schemas.microsoft.com/office/drawing/2014/main" id="{84EC1C32-B013-C549-F746-D661869148C9}"/>
               </a:ext>
             </a:extLst>
           </p:cNvPr>
@@ -2373,7 +2373,7 @@
           <a:bodyPr/>
           <a:lstStyle/>
           <a:p>
-            <a:fld id="{BE149E60-5DBC-490D-946E-B7969FFF08C8}" type="datetimeFigureOut">
+            <a:fld id="{D29F8F4D-82B1-49BC-8812-29E858D70BD1}" type="datetimeFigureOut">
               <a:rPr lang="zh-CN" altLang="en-US" smtClean="0"/>
               <a:t>2024/3/10</a:t>
             </a:fld>
@@ -2386,7 +2386,7 @@
           <p:cNvPr id="6" name="页脚占位符 5">
             <a:extLst>
               <a:ext uri="{FF2B5EF4-FFF2-40B4-BE49-F238E27FC236}">
-                <a16:creationId xmlns:a16="http://schemas.microsoft.com/office/drawing/2014/main" id="{1C032F46-68EB-068B-FED2-A0716F4A5A57}"/>
+                <a16:creationId xmlns:a16="http://schemas.microsoft.com/office/drawing/2014/main" id="{FD83A2EA-3AA7-A7B9-6712-5A902C73FC0A}"/>
               </a:ext>
             </a:extLst>
           </p:cNvPr>
@@ -2411,7 +2411,7 @@
           <p:cNvPr id="7" name="灯片编号占位符 6">
             <a:extLst>
               <a:ext uri="{FF2B5EF4-FFF2-40B4-BE49-F238E27FC236}">
-                <a16:creationId xmlns:a16="http://schemas.microsoft.com/office/drawing/2014/main" id="{1AB78D67-4FB8-FD2E-6C44-BA8B382DDA64}"/>
+                <a16:creationId xmlns:a16="http://schemas.microsoft.com/office/drawing/2014/main" id="{0A5E25DD-1818-A5A2-2F7E-C31A65418C7C}"/>
               </a:ext>
             </a:extLst>
           </p:cNvPr>
@@ -2427,7 +2427,7 @@
           <a:bodyPr/>
           <a:lstStyle/>
           <a:p>
-            <a:fld id="{EC48F675-7FD5-480F-A604-47DBDBF00721}" type="slidenum">
+            <a:fld id="{B6748556-4C44-41B8-A1B9-0A46DDA447C0}" type="slidenum">
               <a:rPr lang="zh-CN" altLang="en-US" smtClean="0"/>
               <a:t>‹#›</a:t>
             </a:fld>
@@ -2438,7 +2438,7 @@
     </p:spTree>
     <p:extLst>
       <p:ext uri="{BB962C8B-B14F-4D97-AF65-F5344CB8AC3E}">
-        <p14:creationId xmlns:p14="http://schemas.microsoft.com/office/powerpoint/2010/main" val="3858687753"/>
+        <p14:creationId xmlns:p14="http://schemas.microsoft.com/office/powerpoint/2010/main" val="964740705"/>
       </p:ext>
     </p:extLst>
   </p:cSld>
@@ -2470,7 +2470,7 @@
           <p:cNvPr id="2" name="标题 1">
             <a:extLst>
               <a:ext uri="{FF2B5EF4-FFF2-40B4-BE49-F238E27FC236}">
-                <a16:creationId xmlns:a16="http://schemas.microsoft.com/office/drawing/2014/main" id="{AFAFA484-2254-CFE5-EA45-3C31D9A7D3EC}"/>
+                <a16:creationId xmlns:a16="http://schemas.microsoft.com/office/drawing/2014/main" id="{972E5592-E05D-2F45-169D-87E99A87050D}"/>
               </a:ext>
             </a:extLst>
           </p:cNvPr>
@@ -2507,7 +2507,7 @@
           <p:cNvPr id="3" name="图片占位符 2">
             <a:extLst>
               <a:ext uri="{FF2B5EF4-FFF2-40B4-BE49-F238E27FC236}">
-                <a16:creationId xmlns:a16="http://schemas.microsoft.com/office/drawing/2014/main" id="{99E19173-1080-2472-9A87-E77B6B503D42}"/>
+                <a16:creationId xmlns:a16="http://schemas.microsoft.com/office/drawing/2014/main" id="{D7160D8B-1715-CC46-D760-3DDB344907D4}"/>
               </a:ext>
             </a:extLst>
           </p:cNvPr>
@@ -2574,7 +2574,7 @@
           <p:cNvPr id="4" name="文本占位符 3">
             <a:extLst>
               <a:ext uri="{FF2B5EF4-FFF2-40B4-BE49-F238E27FC236}">
-                <a16:creationId xmlns:a16="http://schemas.microsoft.com/office/drawing/2014/main" id="{5A5AECB7-59E0-5EDF-6846-D98E44DA072E}"/>
+                <a16:creationId xmlns:a16="http://schemas.microsoft.com/office/drawing/2014/main" id="{FD251B85-4A34-D890-2400-3AA653D19753}"/>
               </a:ext>
             </a:extLst>
           </p:cNvPr>
@@ -2645,7 +2645,7 @@
           <p:cNvPr id="5" name="日期占位符 4">
             <a:extLst>
               <a:ext uri="{FF2B5EF4-FFF2-40B4-BE49-F238E27FC236}">
-                <a16:creationId xmlns:a16="http://schemas.microsoft.com/office/drawing/2014/main" id="{7F97615C-3A42-50AB-487E-D21D5D22E837}"/>
+                <a16:creationId xmlns:a16="http://schemas.microsoft.com/office/drawing/2014/main" id="{0AA9601F-FE9B-7E50-A98D-BB9E787E7127}"/>
               </a:ext>
             </a:extLst>
           </p:cNvPr>
@@ -2661,7 +2661,7 @@
           <a:bodyPr/>
           <a:lstStyle/>
           <a:p>
-            <a:fld id="{BE149E60-5DBC-490D-946E-B7969FFF08C8}" type="datetimeFigureOut">
+            <a:fld id="{D29F8F4D-82B1-49BC-8812-29E858D70BD1}" type="datetimeFigureOut">
               <a:rPr lang="zh-CN" altLang="en-US" smtClean="0"/>
               <a:t>2024/3/10</a:t>
             </a:fld>
@@ -2674,7 +2674,7 @@
           <p:cNvPr id="6" name="页脚占位符 5">
             <a:extLst>
               <a:ext uri="{FF2B5EF4-FFF2-40B4-BE49-F238E27FC236}">
-                <a16:creationId xmlns:a16="http://schemas.microsoft.com/office/drawing/2014/main" id="{9620272C-A890-EFF3-9122-47C21D11E42C}"/>
+                <a16:creationId xmlns:a16="http://schemas.microsoft.com/office/drawing/2014/main" id="{78AA0CF3-8ACC-68D7-A786-87CEAE6D1630}"/>
               </a:ext>
             </a:extLst>
           </p:cNvPr>
@@ -2699,7 +2699,7 @@
           <p:cNvPr id="7" name="灯片编号占位符 6">
             <a:extLst>
               <a:ext uri="{FF2B5EF4-FFF2-40B4-BE49-F238E27FC236}">
-                <a16:creationId xmlns:a16="http://schemas.microsoft.com/office/drawing/2014/main" id="{B823DA8A-FF6F-AD1F-92E4-294E8A684AC5}"/>
+                <a16:creationId xmlns:a16="http://schemas.microsoft.com/office/drawing/2014/main" id="{EAE00A3F-173C-B65D-2DAB-04194654ED08}"/>
               </a:ext>
             </a:extLst>
           </p:cNvPr>
@@ -2715,7 +2715,7 @@
           <a:bodyPr/>
           <a:lstStyle/>
           <a:p>
-            <a:fld id="{EC48F675-7FD5-480F-A604-47DBDBF00721}" type="slidenum">
+            <a:fld id="{B6748556-4C44-41B8-A1B9-0A46DDA447C0}" type="slidenum">
               <a:rPr lang="zh-CN" altLang="en-US" smtClean="0"/>
               <a:t>‹#›</a:t>
             </a:fld>
@@ -2726,7 +2726,7 @@
     </p:spTree>
     <p:extLst>
       <p:ext uri="{BB962C8B-B14F-4D97-AF65-F5344CB8AC3E}">
-        <p14:creationId xmlns:p14="http://schemas.microsoft.com/office/powerpoint/2010/main" val="919266432"/>
+        <p14:creationId xmlns:p14="http://schemas.microsoft.com/office/powerpoint/2010/main" val="4144428114"/>
       </p:ext>
     </p:extLst>
   </p:cSld>
@@ -2763,7 +2763,7 @@
           <p:cNvPr id="2" name="标题占位符 1">
             <a:extLst>
               <a:ext uri="{FF2B5EF4-FFF2-40B4-BE49-F238E27FC236}">
-                <a16:creationId xmlns:a16="http://schemas.microsoft.com/office/drawing/2014/main" id="{B20E7993-A733-48EA-DF9C-C409F3397C9C}"/>
+                <a16:creationId xmlns:a16="http://schemas.microsoft.com/office/drawing/2014/main" id="{7DAB45F0-8B40-99B6-8D4E-B031B2523E8B}"/>
               </a:ext>
             </a:extLst>
           </p:cNvPr>
@@ -2801,7 +2801,7 @@
           <p:cNvPr id="3" name="文本占位符 2">
             <a:extLst>
               <a:ext uri="{FF2B5EF4-FFF2-40B4-BE49-F238E27FC236}">
-                <a16:creationId xmlns:a16="http://schemas.microsoft.com/office/drawing/2014/main" id="{416B0FE7-511F-848E-80D6-0E0492BBD71F}"/>
+                <a16:creationId xmlns:a16="http://schemas.microsoft.com/office/drawing/2014/main" id="{9BF156D9-8F9E-C814-5D72-E90C9573FA42}"/>
               </a:ext>
             </a:extLst>
           </p:cNvPr>
@@ -2868,7 +2868,7 @@
           <p:cNvPr id="4" name="日期占位符 3">
             <a:extLst>
               <a:ext uri="{FF2B5EF4-FFF2-40B4-BE49-F238E27FC236}">
-                <a16:creationId xmlns:a16="http://schemas.microsoft.com/office/drawing/2014/main" id="{2E97A9E4-6299-92E0-5A43-F4D8570ED117}"/>
+                <a16:creationId xmlns:a16="http://schemas.microsoft.com/office/drawing/2014/main" id="{8BC3680D-B277-94FF-24A4-440857AFE1A3}"/>
               </a:ext>
             </a:extLst>
           </p:cNvPr>
@@ -2902,7 +2902,7 @@
             </a:lvl1pPr>
           </a:lstStyle>
           <a:p>
-            <a:fld id="{BE149E60-5DBC-490D-946E-B7969FFF08C8}" type="datetimeFigureOut">
+            <a:fld id="{D29F8F4D-82B1-49BC-8812-29E858D70BD1}" type="datetimeFigureOut">
               <a:rPr lang="zh-CN" altLang="en-US" smtClean="0"/>
               <a:t>2024/3/10</a:t>
             </a:fld>
@@ -2915,7 +2915,7 @@
           <p:cNvPr id="5" name="页脚占位符 4">
             <a:extLst>
               <a:ext uri="{FF2B5EF4-FFF2-40B4-BE49-F238E27FC236}">
-                <a16:creationId xmlns:a16="http://schemas.microsoft.com/office/drawing/2014/main" id="{6EBF21FE-FA04-8525-AF2C-A2AE37582689}"/>
+                <a16:creationId xmlns:a16="http://schemas.microsoft.com/office/drawing/2014/main" id="{EC3B583A-50BB-26D3-3C1C-8D6A5CC6C93B}"/>
               </a:ext>
             </a:extLst>
           </p:cNvPr>
@@ -2958,7 +2958,7 @@
           <p:cNvPr id="6" name="灯片编号占位符 5">
             <a:extLst>
               <a:ext uri="{FF2B5EF4-FFF2-40B4-BE49-F238E27FC236}">
-                <a16:creationId xmlns:a16="http://schemas.microsoft.com/office/drawing/2014/main" id="{26B3E50E-35E6-3253-6F0A-B152783711A9}"/>
+                <a16:creationId xmlns:a16="http://schemas.microsoft.com/office/drawing/2014/main" id="{6A17A9FA-E812-7B20-F8F5-F4EC6BFB58D0}"/>
               </a:ext>
             </a:extLst>
           </p:cNvPr>
@@ -2992,7 +2992,7 @@
             </a:lvl1pPr>
           </a:lstStyle>
           <a:p>
-            <a:fld id="{EC48F675-7FD5-480F-A604-47DBDBF00721}" type="slidenum">
+            <a:fld id="{B6748556-4C44-41B8-A1B9-0A46DDA447C0}" type="slidenum">
               <a:rPr lang="zh-CN" altLang="en-US" smtClean="0"/>
               <a:t>‹#›</a:t>
             </a:fld>
@@ -3003,7 +3003,7 @@
     </p:spTree>
     <p:extLst>
       <p:ext uri="{BB962C8B-B14F-4D97-AF65-F5344CB8AC3E}">
-        <p14:creationId xmlns:p14="http://schemas.microsoft.com/office/powerpoint/2010/main" val="1939893704"/>
+        <p14:creationId xmlns:p14="http://schemas.microsoft.com/office/powerpoint/2010/main" val="2427755243"/>
       </p:ext>
     </p:extLst>
   </p:cSld>
